--- a/Csoportmunka/A MAGYAR IRODALOM.pptx
+++ b/Csoportmunka/A MAGYAR IRODALOM.pptx
@@ -279,7 +279,7 @@
           <a:p>
             <a:fld id="{B204DAB6-50E3-460F-9AE9-C3F983C278F3}" type="datetimeFigureOut">
               <a:rPr lang="hu-HU" smtClean="0"/>
-              <a:t>2023. 10. 03.</a:t>
+              <a:t>2023. 10. 04.</a:t>
             </a:fld>
             <a:endParaRPr lang="hu-HU"/>
           </a:p>
@@ -480,7 +480,7 @@
           <a:p>
             <a:fld id="{B204DAB6-50E3-460F-9AE9-C3F983C278F3}" type="datetimeFigureOut">
               <a:rPr lang="hu-HU" smtClean="0"/>
-              <a:t>2023. 10. 03.</a:t>
+              <a:t>2023. 10. 04.</a:t>
             </a:fld>
             <a:endParaRPr lang="hu-HU"/>
           </a:p>
@@ -691,7 +691,7 @@
           <a:p>
             <a:fld id="{B204DAB6-50E3-460F-9AE9-C3F983C278F3}" type="datetimeFigureOut">
               <a:rPr lang="hu-HU" smtClean="0"/>
-              <a:t>2023. 10. 03.</a:t>
+              <a:t>2023. 10. 04.</a:t>
             </a:fld>
             <a:endParaRPr lang="hu-HU"/>
           </a:p>
@@ -892,7 +892,7 @@
           <a:p>
             <a:fld id="{B204DAB6-50E3-460F-9AE9-C3F983C278F3}" type="datetimeFigureOut">
               <a:rPr lang="hu-HU" smtClean="0"/>
-              <a:t>2023. 10. 03.</a:t>
+              <a:t>2023. 10. 04.</a:t>
             </a:fld>
             <a:endParaRPr lang="hu-HU"/>
           </a:p>
@@ -1170,7 +1170,7 @@
           <a:p>
             <a:fld id="{B204DAB6-50E3-460F-9AE9-C3F983C278F3}" type="datetimeFigureOut">
               <a:rPr lang="hu-HU" smtClean="0"/>
-              <a:t>2023. 10. 03.</a:t>
+              <a:t>2023. 10. 04.</a:t>
             </a:fld>
             <a:endParaRPr lang="hu-HU"/>
           </a:p>
@@ -1438,7 +1438,7 @@
           <a:p>
             <a:fld id="{B204DAB6-50E3-460F-9AE9-C3F983C278F3}" type="datetimeFigureOut">
               <a:rPr lang="hu-HU" smtClean="0"/>
-              <a:t>2023. 10. 03.</a:t>
+              <a:t>2023. 10. 04.</a:t>
             </a:fld>
             <a:endParaRPr lang="hu-HU"/>
           </a:p>
@@ -1853,7 +1853,7 @@
           <a:p>
             <a:fld id="{B204DAB6-50E3-460F-9AE9-C3F983C278F3}" type="datetimeFigureOut">
               <a:rPr lang="hu-HU" smtClean="0"/>
-              <a:t>2023. 10. 03.</a:t>
+              <a:t>2023. 10. 04.</a:t>
             </a:fld>
             <a:endParaRPr lang="hu-HU"/>
           </a:p>
@@ -1997,7 +1997,7 @@
           <a:p>
             <a:fld id="{B204DAB6-50E3-460F-9AE9-C3F983C278F3}" type="datetimeFigureOut">
               <a:rPr lang="hu-HU" smtClean="0"/>
-              <a:t>2023. 10. 03.</a:t>
+              <a:t>2023. 10. 04.</a:t>
             </a:fld>
             <a:endParaRPr lang="hu-HU"/>
           </a:p>
@@ -2113,7 +2113,7 @@
           <a:p>
             <a:fld id="{B204DAB6-50E3-460F-9AE9-C3F983C278F3}" type="datetimeFigureOut">
               <a:rPr lang="hu-HU" smtClean="0"/>
-              <a:t>2023. 10. 03.</a:t>
+              <a:t>2023. 10. 04.</a:t>
             </a:fld>
             <a:endParaRPr lang="hu-HU"/>
           </a:p>
@@ -2427,7 +2427,7 @@
           <a:p>
             <a:fld id="{B204DAB6-50E3-460F-9AE9-C3F983C278F3}" type="datetimeFigureOut">
               <a:rPr lang="hu-HU" smtClean="0"/>
-              <a:t>2023. 10. 03.</a:t>
+              <a:t>2023. 10. 04.</a:t>
             </a:fld>
             <a:endParaRPr lang="hu-HU"/>
           </a:p>
@@ -2718,7 +2718,7 @@
           <a:p>
             <a:fld id="{B204DAB6-50E3-460F-9AE9-C3F983C278F3}" type="datetimeFigureOut">
               <a:rPr lang="hu-HU" smtClean="0"/>
-              <a:t>2023. 10. 03.</a:t>
+              <a:t>2023. 10. 04.</a:t>
             </a:fld>
             <a:endParaRPr lang="hu-HU"/>
           </a:p>
@@ -2993,7 +2993,7 @@
           <a:p>
             <a:fld id="{B204DAB6-50E3-460F-9AE9-C3F983C278F3}" type="datetimeFigureOut">
               <a:rPr lang="hu-HU" smtClean="0"/>
-              <a:t>2023. 10. 03.</a:t>
+              <a:t>2023. 10. 04.</a:t>
             </a:fld>
             <a:endParaRPr lang="hu-HU"/>
           </a:p>
@@ -3584,29 +3584,31 @@
         </p:nvSpPr>
         <p:spPr/>
         <p:txBody>
-          <a:bodyPr/>
-          <a:lstStyle/>
-          <a:p>
-            <a:r>
-              <a:rPr lang="hu-HU" dirty="0"/>
+          <a:bodyPr>
+            <a:normAutofit/>
+          </a:bodyPr>
+          <a:lstStyle/>
+          <a:p>
+            <a:r>
+              <a:rPr lang="hu-HU" sz="3600" b="1" dirty="0"/>
               <a:t>Lassú</a:t>
             </a:r>
           </a:p>
           <a:p>
-            <a:endParaRPr lang="hu-HU" dirty="0"/>
-          </a:p>
-          <a:p>
-            <a:r>
-              <a:rPr lang="hu-HU" dirty="0"/>
+            <a:endParaRPr lang="hu-HU" sz="3600" b="1" dirty="0"/>
+          </a:p>
+          <a:p>
+            <a:r>
+              <a:rPr lang="hu-HU" sz="3600" b="1" dirty="0"/>
               <a:t>Tartalom</a:t>
             </a:r>
           </a:p>
           <a:p>
-            <a:endParaRPr lang="hu-HU" dirty="0"/>
-          </a:p>
-          <a:p>
-            <a:r>
-              <a:rPr lang="hu-HU" dirty="0"/>
+            <a:endParaRPr lang="hu-HU" sz="3600" b="1" dirty="0"/>
+          </a:p>
+          <a:p>
+            <a:r>
+              <a:rPr lang="hu-HU" sz="3600" b="1" dirty="0"/>
               <a:t>Esztétika</a:t>
             </a:r>
           </a:p>
@@ -3702,32 +3704,34 @@
         </p:nvSpPr>
         <p:spPr/>
         <p:txBody>
-          <a:bodyPr/>
-          <a:lstStyle/>
-          <a:p>
-            <a:r>
-              <a:rPr lang="hu-HU" dirty="0"/>
+          <a:bodyPr>
+            <a:normAutofit/>
+          </a:bodyPr>
+          <a:lstStyle/>
+          <a:p>
+            <a:r>
+              <a:rPr lang="hu-HU" sz="3600" b="1" dirty="0"/>
               <a:t>Gyors</a:t>
             </a:r>
           </a:p>
           <a:p>
-            <a:endParaRPr lang="hu-HU" dirty="0"/>
-          </a:p>
-          <a:p>
-            <a:r>
-              <a:rPr lang="hu-HU" dirty="0"/>
+            <a:endParaRPr lang="hu-HU" sz="3600" b="1" dirty="0"/>
+          </a:p>
+          <a:p>
+            <a:r>
+              <a:rPr lang="hu-HU" sz="3600" b="1" dirty="0"/>
               <a:t>Esztétika</a:t>
             </a:r>
           </a:p>
           <a:p>
-            <a:endParaRPr lang="hu-HU" dirty="0"/>
-          </a:p>
-          <a:p>
-            <a:r>
-              <a:rPr lang="hu-HU"/>
+            <a:endParaRPr lang="hu-HU" sz="3600" b="1" dirty="0"/>
+          </a:p>
+          <a:p>
+            <a:r>
+              <a:rPr lang="hu-HU" sz="3600" b="1"/>
               <a:t>Újragondolása</a:t>
             </a:r>
-            <a:endParaRPr lang="hu-HU" dirty="0"/>
+            <a:endParaRPr lang="hu-HU" sz="3600" b="1" dirty="0"/>
           </a:p>
         </p:txBody>
       </p:sp>
